--- a/figures/parent_effects_H2F/Q2_Condition_Slopes.pptx
+++ b/figures/parent_effects_H2F/Q2_Condition_Slopes.pptx
@@ -2,7 +2,7 @@
 <file path=ppt/presentation.xml><?xml version="1.0" encoding="utf-8"?>
 <p:presentation xmlns:a="http://schemas.openxmlformats.org/drawingml/2006/main" xmlns:r="http://schemas.openxmlformats.org/officeDocument/2006/relationships" xmlns:p="http://schemas.openxmlformats.org/presentationml/2006/main" saveSubsetFonts="1" autoCompressPictures="0">
   <p:sldMasterIdLst>
-    <p:sldMasterId id="2147483672" r:id="rId1"/>
+    <p:sldMasterId id="2147483708" r:id="rId1"/>
   </p:sldMasterIdLst>
   <p:notesMasterIdLst>
     <p:notesMasterId r:id="rId3"/>
@@ -10,7 +10,7 @@
   <p:sldIdLst>
     <p:sldId id="257" r:id="rId2"/>
   </p:sldIdLst>
-  <p:sldSz cx="12188825" cy="7315200"/>
+  <p:sldSz cx="11247438" cy="8229600"/>
   <p:notesSz cx="6858000" cy="9144000"/>
   <p:defaultTextStyle>
     <a:defPPr>
@@ -197,7 +197,7 @@
           <a:p>
             <a:fld id="{7382B18A-5F87-4142-BBBD-5CA099C0502A}" type="datetimeFigureOut">
               <a:rPr lang="en-US" smtClean="0"/>
-              <a:t>8/20/25</a:t>
+              <a:t>11/17/25</a:t>
             </a:fld>
             <a:endParaRPr lang="en-US"/>
           </a:p>
@@ -215,8 +215,8 @@
         </p:nvSpPr>
         <p:spPr>
           <a:xfrm>
-            <a:off x="858838" y="1143000"/>
-            <a:ext cx="5140325" cy="3086100"/>
+            <a:off x="1320800" y="1143000"/>
+            <a:ext cx="4216400" cy="3086100"/>
           </a:xfrm>
           <a:prstGeom prst="rect">
             <a:avLst/>
@@ -505,8 +505,8 @@
         </p:nvSpPr>
         <p:spPr>
           <a:xfrm>
-            <a:off x="858838" y="1143000"/>
-            <a:ext cx="5140325" cy="3086100"/>
+            <a:off x="1320800" y="1143000"/>
+            <a:ext cx="4216400" cy="3086100"/>
           </a:xfrm>
         </p:spPr>
       </p:sp>
@@ -606,15 +606,15 @@
         </p:nvSpPr>
         <p:spPr>
           <a:xfrm>
-            <a:off x="1523603" y="1197187"/>
-            <a:ext cx="9141619" cy="2546773"/>
+            <a:off x="843558" y="1346836"/>
+            <a:ext cx="9560322" cy="2865120"/>
           </a:xfrm>
         </p:spPr>
         <p:txBody>
           <a:bodyPr anchor="b"/>
           <a:lstStyle>
             <a:lvl1pPr algn="ctr">
-              <a:defRPr sz="5998"/>
+              <a:defRPr sz="7200"/>
             </a:lvl1pPr>
           </a:lstStyle>
           <a:p>
@@ -638,8 +638,8 @@
         </p:nvSpPr>
         <p:spPr>
           <a:xfrm>
-            <a:off x="1523603" y="3842174"/>
-            <a:ext cx="9141619" cy="1766146"/>
+            <a:off x="1405930" y="4322446"/>
+            <a:ext cx="8435579" cy="1986914"/>
           </a:xfrm>
         </p:spPr>
         <p:txBody>
@@ -647,39 +647,39 @@
           <a:lstStyle>
             <a:lvl1pPr marL="0" indent="0" algn="ctr">
               <a:buNone/>
-              <a:defRPr sz="2399"/>
+              <a:defRPr sz="2880"/>
             </a:lvl1pPr>
-            <a:lvl2pPr marL="457063" indent="0" algn="ctr">
+            <a:lvl2pPr marL="548640" indent="0" algn="ctr">
               <a:buNone/>
-              <a:defRPr sz="1999"/>
+              <a:defRPr sz="2400"/>
             </a:lvl2pPr>
-            <a:lvl3pPr marL="914126" indent="0" algn="ctr">
+            <a:lvl3pPr marL="1097280" indent="0" algn="ctr">
               <a:buNone/>
-              <a:defRPr sz="1799"/>
+              <a:defRPr sz="2160"/>
             </a:lvl3pPr>
-            <a:lvl4pPr marL="1371189" indent="0" algn="ctr">
+            <a:lvl4pPr marL="1645920" indent="0" algn="ctr">
               <a:buNone/>
-              <a:defRPr sz="1600"/>
+              <a:defRPr sz="1920"/>
             </a:lvl4pPr>
-            <a:lvl5pPr marL="1828251" indent="0" algn="ctr">
+            <a:lvl5pPr marL="2194560" indent="0" algn="ctr">
               <a:buNone/>
-              <a:defRPr sz="1600"/>
+              <a:defRPr sz="1920"/>
             </a:lvl5pPr>
-            <a:lvl6pPr marL="2285314" indent="0" algn="ctr">
+            <a:lvl6pPr marL="2743200" indent="0" algn="ctr">
               <a:buNone/>
-              <a:defRPr sz="1600"/>
+              <a:defRPr sz="1920"/>
             </a:lvl6pPr>
-            <a:lvl7pPr marL="2742377" indent="0" algn="ctr">
+            <a:lvl7pPr marL="3291840" indent="0" algn="ctr">
               <a:buNone/>
-              <a:defRPr sz="1600"/>
+              <a:defRPr sz="1920"/>
             </a:lvl7pPr>
-            <a:lvl8pPr marL="3199440" indent="0" algn="ctr">
+            <a:lvl8pPr marL="3840480" indent="0" algn="ctr">
               <a:buNone/>
-              <a:defRPr sz="1600"/>
+              <a:defRPr sz="1920"/>
             </a:lvl8pPr>
-            <a:lvl9pPr marL="3656503" indent="0" algn="ctr">
+            <a:lvl9pPr marL="4389120" indent="0" algn="ctr">
               <a:buNone/>
-              <a:defRPr sz="1600"/>
+              <a:defRPr sz="1920"/>
             </a:lvl9pPr>
           </a:lstStyle>
           <a:p>
@@ -708,7 +708,7 @@
           <a:p>
             <a:fld id="{56B58232-E16B-0B4B-8F18-92B120FCDEDA}" type="datetimeFigureOut">
               <a:rPr lang="en-US" smtClean="0"/>
-              <a:t>8/20/25</a:t>
+              <a:t>11/17/25</a:t>
             </a:fld>
             <a:endParaRPr lang="en-US"/>
           </a:p>
@@ -759,7 +759,7 @@
     </p:spTree>
     <p:extLst>
       <p:ext uri="{BB962C8B-B14F-4D97-AF65-F5344CB8AC3E}">
-        <p14:creationId xmlns:p14="http://schemas.microsoft.com/office/powerpoint/2010/main" val="1221673533"/>
+        <p14:creationId xmlns:p14="http://schemas.microsoft.com/office/powerpoint/2010/main" val="2853079232"/>
       </p:ext>
     </p:extLst>
   </p:cSld>
@@ -878,7 +878,7 @@
           <a:p>
             <a:fld id="{56B58232-E16B-0B4B-8F18-92B120FCDEDA}" type="datetimeFigureOut">
               <a:rPr lang="en-US" smtClean="0"/>
-              <a:t>8/20/25</a:t>
+              <a:t>11/17/25</a:t>
             </a:fld>
             <a:endParaRPr lang="en-US"/>
           </a:p>
@@ -929,7 +929,7 @@
     </p:spTree>
     <p:extLst>
       <p:ext uri="{BB962C8B-B14F-4D97-AF65-F5344CB8AC3E}">
-        <p14:creationId xmlns:p14="http://schemas.microsoft.com/office/powerpoint/2010/main" val="3916754909"/>
+        <p14:creationId xmlns:p14="http://schemas.microsoft.com/office/powerpoint/2010/main" val="3048292419"/>
       </p:ext>
     </p:extLst>
   </p:cSld>
@@ -968,8 +968,8 @@
         </p:nvSpPr>
         <p:spPr>
           <a:xfrm>
-            <a:off x="8722628" y="389467"/>
-            <a:ext cx="2628215" cy="6199294"/>
+            <a:off x="8048948" y="438150"/>
+            <a:ext cx="2425229" cy="6974206"/>
           </a:xfrm>
         </p:spPr>
         <p:txBody>
@@ -996,8 +996,8 @@
         </p:nvSpPr>
         <p:spPr>
           <a:xfrm>
-            <a:off x="837982" y="389467"/>
-            <a:ext cx="7732286" cy="6199294"/>
+            <a:off x="773262" y="438150"/>
+            <a:ext cx="7135093" cy="6974206"/>
           </a:xfrm>
         </p:spPr>
         <p:txBody>
@@ -1058,7 +1058,7 @@
           <a:p>
             <a:fld id="{56B58232-E16B-0B4B-8F18-92B120FCDEDA}" type="datetimeFigureOut">
               <a:rPr lang="en-US" smtClean="0"/>
-              <a:t>8/20/25</a:t>
+              <a:t>11/17/25</a:t>
             </a:fld>
             <a:endParaRPr lang="en-US"/>
           </a:p>
@@ -1109,7 +1109,7 @@
     </p:spTree>
     <p:extLst>
       <p:ext uri="{BB962C8B-B14F-4D97-AF65-F5344CB8AC3E}">
-        <p14:creationId xmlns:p14="http://schemas.microsoft.com/office/powerpoint/2010/main" val="3601714139"/>
+        <p14:creationId xmlns:p14="http://schemas.microsoft.com/office/powerpoint/2010/main" val="2669515650"/>
       </p:ext>
     </p:extLst>
   </p:cSld>
@@ -1228,7 +1228,7 @@
           <a:p>
             <a:fld id="{56B58232-E16B-0B4B-8F18-92B120FCDEDA}" type="datetimeFigureOut">
               <a:rPr lang="en-US" smtClean="0"/>
-              <a:t>8/20/25</a:t>
+              <a:t>11/17/25</a:t>
             </a:fld>
             <a:endParaRPr lang="en-US"/>
           </a:p>
@@ -1279,7 +1279,7 @@
     </p:spTree>
     <p:extLst>
       <p:ext uri="{BB962C8B-B14F-4D97-AF65-F5344CB8AC3E}">
-        <p14:creationId xmlns:p14="http://schemas.microsoft.com/office/powerpoint/2010/main" val="1157707178"/>
+        <p14:creationId xmlns:p14="http://schemas.microsoft.com/office/powerpoint/2010/main" val="34342576"/>
       </p:ext>
     </p:extLst>
   </p:cSld>
@@ -1318,15 +1318,15 @@
         </p:nvSpPr>
         <p:spPr>
           <a:xfrm>
-            <a:off x="831633" y="1823721"/>
-            <a:ext cx="10512862" cy="3042919"/>
+            <a:off x="767404" y="2051688"/>
+            <a:ext cx="9700915" cy="3423284"/>
           </a:xfrm>
         </p:spPr>
         <p:txBody>
           <a:bodyPr anchor="b"/>
           <a:lstStyle>
             <a:lvl1pPr>
-              <a:defRPr sz="5998"/>
+              <a:defRPr sz="7200"/>
             </a:lvl1pPr>
           </a:lstStyle>
           <a:p>
@@ -1350,8 +1350,8 @@
         </p:nvSpPr>
         <p:spPr>
           <a:xfrm>
-            <a:off x="831633" y="4895428"/>
-            <a:ext cx="10512862" cy="1600199"/>
+            <a:off x="767404" y="5507358"/>
+            <a:ext cx="9700915" cy="1800224"/>
           </a:xfrm>
         </p:spPr>
         <p:txBody>
@@ -1359,7 +1359,7 @@
           <a:lstStyle>
             <a:lvl1pPr marL="0" indent="0">
               <a:buNone/>
-              <a:defRPr sz="2399">
+              <a:defRPr sz="2880">
                 <a:solidFill>
                   <a:schemeClr val="tx1">
                     <a:tint val="82000"/>
@@ -1367,9 +1367,9 @@
                 </a:solidFill>
               </a:defRPr>
             </a:lvl1pPr>
-            <a:lvl2pPr marL="457063" indent="0">
+            <a:lvl2pPr marL="548640" indent="0">
               <a:buNone/>
-              <a:defRPr sz="1999">
+              <a:defRPr sz="2400">
                 <a:solidFill>
                   <a:schemeClr val="tx1">
                     <a:tint val="82000"/>
@@ -1377,9 +1377,9 @@
                 </a:solidFill>
               </a:defRPr>
             </a:lvl2pPr>
-            <a:lvl3pPr marL="914126" indent="0">
+            <a:lvl3pPr marL="1097280" indent="0">
               <a:buNone/>
-              <a:defRPr sz="1799">
+              <a:defRPr sz="2160">
                 <a:solidFill>
                   <a:schemeClr val="tx1">
                     <a:tint val="82000"/>
@@ -1387,9 +1387,9 @@
                 </a:solidFill>
               </a:defRPr>
             </a:lvl3pPr>
-            <a:lvl4pPr marL="1371189" indent="0">
+            <a:lvl4pPr marL="1645920" indent="0">
               <a:buNone/>
-              <a:defRPr sz="1600">
+              <a:defRPr sz="1920">
                 <a:solidFill>
                   <a:schemeClr val="tx1">
                     <a:tint val="82000"/>
@@ -1397,9 +1397,9 @@
                 </a:solidFill>
               </a:defRPr>
             </a:lvl4pPr>
-            <a:lvl5pPr marL="1828251" indent="0">
+            <a:lvl5pPr marL="2194560" indent="0">
               <a:buNone/>
-              <a:defRPr sz="1600">
+              <a:defRPr sz="1920">
                 <a:solidFill>
                   <a:schemeClr val="tx1">
                     <a:tint val="82000"/>
@@ -1407,9 +1407,9 @@
                 </a:solidFill>
               </a:defRPr>
             </a:lvl5pPr>
-            <a:lvl6pPr marL="2285314" indent="0">
+            <a:lvl6pPr marL="2743200" indent="0">
               <a:buNone/>
-              <a:defRPr sz="1600">
+              <a:defRPr sz="1920">
                 <a:solidFill>
                   <a:schemeClr val="tx1">
                     <a:tint val="82000"/>
@@ -1417,9 +1417,9 @@
                 </a:solidFill>
               </a:defRPr>
             </a:lvl6pPr>
-            <a:lvl7pPr marL="2742377" indent="0">
+            <a:lvl7pPr marL="3291840" indent="0">
               <a:buNone/>
-              <a:defRPr sz="1600">
+              <a:defRPr sz="1920">
                 <a:solidFill>
                   <a:schemeClr val="tx1">
                     <a:tint val="82000"/>
@@ -1427,9 +1427,9 @@
                 </a:solidFill>
               </a:defRPr>
             </a:lvl7pPr>
-            <a:lvl8pPr marL="3199440" indent="0">
+            <a:lvl8pPr marL="3840480" indent="0">
               <a:buNone/>
-              <a:defRPr sz="1600">
+              <a:defRPr sz="1920">
                 <a:solidFill>
                   <a:schemeClr val="tx1">
                     <a:tint val="82000"/>
@@ -1437,9 +1437,9 @@
                 </a:solidFill>
               </a:defRPr>
             </a:lvl8pPr>
-            <a:lvl9pPr marL="3656503" indent="0">
+            <a:lvl9pPr marL="4389120" indent="0">
               <a:buNone/>
-              <a:defRPr sz="1600">
+              <a:defRPr sz="1920">
                 <a:solidFill>
                   <a:schemeClr val="tx1">
                     <a:tint val="82000"/>
@@ -1474,7 +1474,7 @@
           <a:p>
             <a:fld id="{56B58232-E16B-0B4B-8F18-92B120FCDEDA}" type="datetimeFigureOut">
               <a:rPr lang="en-US" smtClean="0"/>
-              <a:t>8/20/25</a:t>
+              <a:t>11/17/25</a:t>
             </a:fld>
             <a:endParaRPr lang="en-US"/>
           </a:p>
@@ -1525,7 +1525,7 @@
     </p:spTree>
     <p:extLst>
       <p:ext uri="{BB962C8B-B14F-4D97-AF65-F5344CB8AC3E}">
-        <p14:creationId xmlns:p14="http://schemas.microsoft.com/office/powerpoint/2010/main" val="961059098"/>
+        <p14:creationId xmlns:p14="http://schemas.microsoft.com/office/powerpoint/2010/main" val="297959680"/>
       </p:ext>
     </p:extLst>
   </p:cSld>
@@ -1587,8 +1587,8 @@
         </p:nvSpPr>
         <p:spPr>
           <a:xfrm>
-            <a:off x="837982" y="1947333"/>
-            <a:ext cx="5180251" cy="4641427"/>
+            <a:off x="773261" y="2190750"/>
+            <a:ext cx="4780161" cy="5221606"/>
           </a:xfrm>
         </p:spPr>
         <p:txBody>
@@ -1644,8 +1644,8 @@
         </p:nvSpPr>
         <p:spPr>
           <a:xfrm>
-            <a:off x="6170592" y="1947333"/>
-            <a:ext cx="5180251" cy="4641427"/>
+            <a:off x="5694016" y="2190750"/>
+            <a:ext cx="4780161" cy="5221606"/>
           </a:xfrm>
         </p:spPr>
         <p:txBody>
@@ -1706,7 +1706,7 @@
           <a:p>
             <a:fld id="{56B58232-E16B-0B4B-8F18-92B120FCDEDA}" type="datetimeFigureOut">
               <a:rPr lang="en-US" smtClean="0"/>
-              <a:t>8/20/25</a:t>
+              <a:t>11/17/25</a:t>
             </a:fld>
             <a:endParaRPr lang="en-US"/>
           </a:p>
@@ -1757,7 +1757,7 @@
     </p:spTree>
     <p:extLst>
       <p:ext uri="{BB962C8B-B14F-4D97-AF65-F5344CB8AC3E}">
-        <p14:creationId xmlns:p14="http://schemas.microsoft.com/office/powerpoint/2010/main" val="3438289329"/>
+        <p14:creationId xmlns:p14="http://schemas.microsoft.com/office/powerpoint/2010/main" val="3854194284"/>
       </p:ext>
     </p:extLst>
   </p:cSld>
@@ -1796,8 +1796,8 @@
         </p:nvSpPr>
         <p:spPr>
           <a:xfrm>
-            <a:off x="839569" y="389467"/>
-            <a:ext cx="10512862" cy="1413934"/>
+            <a:off x="774726" y="438152"/>
+            <a:ext cx="9700915" cy="1590676"/>
           </a:xfrm>
         </p:spPr>
         <p:txBody>
@@ -1824,8 +1824,8 @@
         </p:nvSpPr>
         <p:spPr>
           <a:xfrm>
-            <a:off x="839570" y="1793241"/>
-            <a:ext cx="5156444" cy="878839"/>
+            <a:off x="774727" y="2017396"/>
+            <a:ext cx="4758193" cy="988694"/>
           </a:xfrm>
         </p:spPr>
         <p:txBody>
@@ -1833,39 +1833,39 @@
           <a:lstStyle>
             <a:lvl1pPr marL="0" indent="0">
               <a:buNone/>
-              <a:defRPr sz="2399" b="1"/>
+              <a:defRPr sz="2880" b="1"/>
             </a:lvl1pPr>
-            <a:lvl2pPr marL="457063" indent="0">
+            <a:lvl2pPr marL="548640" indent="0">
               <a:buNone/>
-              <a:defRPr sz="1999" b="1"/>
+              <a:defRPr sz="2400" b="1"/>
             </a:lvl2pPr>
-            <a:lvl3pPr marL="914126" indent="0">
+            <a:lvl3pPr marL="1097280" indent="0">
               <a:buNone/>
-              <a:defRPr sz="1799" b="1"/>
+              <a:defRPr sz="2160" b="1"/>
             </a:lvl3pPr>
-            <a:lvl4pPr marL="1371189" indent="0">
+            <a:lvl4pPr marL="1645920" indent="0">
               <a:buNone/>
-              <a:defRPr sz="1600" b="1"/>
+              <a:defRPr sz="1920" b="1"/>
             </a:lvl4pPr>
-            <a:lvl5pPr marL="1828251" indent="0">
+            <a:lvl5pPr marL="2194560" indent="0">
               <a:buNone/>
-              <a:defRPr sz="1600" b="1"/>
+              <a:defRPr sz="1920" b="1"/>
             </a:lvl5pPr>
-            <a:lvl6pPr marL="2285314" indent="0">
+            <a:lvl6pPr marL="2743200" indent="0">
               <a:buNone/>
-              <a:defRPr sz="1600" b="1"/>
+              <a:defRPr sz="1920" b="1"/>
             </a:lvl6pPr>
-            <a:lvl7pPr marL="2742377" indent="0">
+            <a:lvl7pPr marL="3291840" indent="0">
               <a:buNone/>
-              <a:defRPr sz="1600" b="1"/>
+              <a:defRPr sz="1920" b="1"/>
             </a:lvl7pPr>
-            <a:lvl8pPr marL="3199440" indent="0">
+            <a:lvl8pPr marL="3840480" indent="0">
               <a:buNone/>
-              <a:defRPr sz="1600" b="1"/>
+              <a:defRPr sz="1920" b="1"/>
             </a:lvl8pPr>
-            <a:lvl9pPr marL="3656503" indent="0">
+            <a:lvl9pPr marL="4389120" indent="0">
               <a:buNone/>
-              <a:defRPr sz="1600" b="1"/>
+              <a:defRPr sz="1920" b="1"/>
             </a:lvl9pPr>
           </a:lstStyle>
           <a:p>
@@ -1889,8 +1889,8 @@
         </p:nvSpPr>
         <p:spPr>
           <a:xfrm>
-            <a:off x="839570" y="2672080"/>
-            <a:ext cx="5156444" cy="3930227"/>
+            <a:off x="774727" y="3006090"/>
+            <a:ext cx="4758193" cy="4421506"/>
           </a:xfrm>
         </p:spPr>
         <p:txBody>
@@ -1946,8 +1946,8 @@
         </p:nvSpPr>
         <p:spPr>
           <a:xfrm>
-            <a:off x="6170593" y="1793241"/>
-            <a:ext cx="5181838" cy="878839"/>
+            <a:off x="5694016" y="2017396"/>
+            <a:ext cx="4781626" cy="988694"/>
           </a:xfrm>
         </p:spPr>
         <p:txBody>
@@ -1955,39 +1955,39 @@
           <a:lstStyle>
             <a:lvl1pPr marL="0" indent="0">
               <a:buNone/>
-              <a:defRPr sz="2399" b="1"/>
+              <a:defRPr sz="2880" b="1"/>
             </a:lvl1pPr>
-            <a:lvl2pPr marL="457063" indent="0">
+            <a:lvl2pPr marL="548640" indent="0">
               <a:buNone/>
-              <a:defRPr sz="1999" b="1"/>
+              <a:defRPr sz="2400" b="1"/>
             </a:lvl2pPr>
-            <a:lvl3pPr marL="914126" indent="0">
+            <a:lvl3pPr marL="1097280" indent="0">
               <a:buNone/>
-              <a:defRPr sz="1799" b="1"/>
+              <a:defRPr sz="2160" b="1"/>
             </a:lvl3pPr>
-            <a:lvl4pPr marL="1371189" indent="0">
+            <a:lvl4pPr marL="1645920" indent="0">
               <a:buNone/>
-              <a:defRPr sz="1600" b="1"/>
+              <a:defRPr sz="1920" b="1"/>
             </a:lvl4pPr>
-            <a:lvl5pPr marL="1828251" indent="0">
+            <a:lvl5pPr marL="2194560" indent="0">
               <a:buNone/>
-              <a:defRPr sz="1600" b="1"/>
+              <a:defRPr sz="1920" b="1"/>
             </a:lvl5pPr>
-            <a:lvl6pPr marL="2285314" indent="0">
+            <a:lvl6pPr marL="2743200" indent="0">
               <a:buNone/>
-              <a:defRPr sz="1600" b="1"/>
+              <a:defRPr sz="1920" b="1"/>
             </a:lvl6pPr>
-            <a:lvl7pPr marL="2742377" indent="0">
+            <a:lvl7pPr marL="3291840" indent="0">
               <a:buNone/>
-              <a:defRPr sz="1600" b="1"/>
+              <a:defRPr sz="1920" b="1"/>
             </a:lvl7pPr>
-            <a:lvl8pPr marL="3199440" indent="0">
+            <a:lvl8pPr marL="3840480" indent="0">
               <a:buNone/>
-              <a:defRPr sz="1600" b="1"/>
+              <a:defRPr sz="1920" b="1"/>
             </a:lvl8pPr>
-            <a:lvl9pPr marL="3656503" indent="0">
+            <a:lvl9pPr marL="4389120" indent="0">
               <a:buNone/>
-              <a:defRPr sz="1600" b="1"/>
+              <a:defRPr sz="1920" b="1"/>
             </a:lvl9pPr>
           </a:lstStyle>
           <a:p>
@@ -2011,8 +2011,8 @@
         </p:nvSpPr>
         <p:spPr>
           <a:xfrm>
-            <a:off x="6170593" y="2672080"/>
-            <a:ext cx="5181838" cy="3930227"/>
+            <a:off x="5694016" y="3006090"/>
+            <a:ext cx="4781626" cy="4421506"/>
           </a:xfrm>
         </p:spPr>
         <p:txBody>
@@ -2073,7 +2073,7 @@
           <a:p>
             <a:fld id="{56B58232-E16B-0B4B-8F18-92B120FCDEDA}" type="datetimeFigureOut">
               <a:rPr lang="en-US" smtClean="0"/>
-              <a:t>8/20/25</a:t>
+              <a:t>11/17/25</a:t>
             </a:fld>
             <a:endParaRPr lang="en-US"/>
           </a:p>
@@ -2124,7 +2124,7 @@
     </p:spTree>
     <p:extLst>
       <p:ext uri="{BB962C8B-B14F-4D97-AF65-F5344CB8AC3E}">
-        <p14:creationId xmlns:p14="http://schemas.microsoft.com/office/powerpoint/2010/main" val="1884174708"/>
+        <p14:creationId xmlns:p14="http://schemas.microsoft.com/office/powerpoint/2010/main" val="3816979454"/>
       </p:ext>
     </p:extLst>
   </p:cSld>
@@ -2191,7 +2191,7 @@
           <a:p>
             <a:fld id="{56B58232-E16B-0B4B-8F18-92B120FCDEDA}" type="datetimeFigureOut">
               <a:rPr lang="en-US" smtClean="0"/>
-              <a:t>8/20/25</a:t>
+              <a:t>11/17/25</a:t>
             </a:fld>
             <a:endParaRPr lang="en-US"/>
           </a:p>
@@ -2242,7 +2242,7 @@
     </p:spTree>
     <p:extLst>
       <p:ext uri="{BB962C8B-B14F-4D97-AF65-F5344CB8AC3E}">
-        <p14:creationId xmlns:p14="http://schemas.microsoft.com/office/powerpoint/2010/main" val="140399555"/>
+        <p14:creationId xmlns:p14="http://schemas.microsoft.com/office/powerpoint/2010/main" val="3304660440"/>
       </p:ext>
     </p:extLst>
   </p:cSld>
@@ -2286,7 +2286,7 @@
           <a:p>
             <a:fld id="{56B58232-E16B-0B4B-8F18-92B120FCDEDA}" type="datetimeFigureOut">
               <a:rPr lang="en-US" smtClean="0"/>
-              <a:t>8/20/25</a:t>
+              <a:t>11/17/25</a:t>
             </a:fld>
             <a:endParaRPr lang="en-US"/>
           </a:p>
@@ -2337,7 +2337,7 @@
     </p:spTree>
     <p:extLst>
       <p:ext uri="{BB962C8B-B14F-4D97-AF65-F5344CB8AC3E}">
-        <p14:creationId xmlns:p14="http://schemas.microsoft.com/office/powerpoint/2010/main" val="655793253"/>
+        <p14:creationId xmlns:p14="http://schemas.microsoft.com/office/powerpoint/2010/main" val="3719966277"/>
       </p:ext>
     </p:extLst>
   </p:cSld>
@@ -2376,15 +2376,15 @@
         </p:nvSpPr>
         <p:spPr>
           <a:xfrm>
-            <a:off x="839570" y="487680"/>
-            <a:ext cx="3931213" cy="1706880"/>
+            <a:off x="774726" y="548640"/>
+            <a:ext cx="3627592" cy="1920240"/>
           </a:xfrm>
         </p:spPr>
         <p:txBody>
           <a:bodyPr anchor="b"/>
           <a:lstStyle>
             <a:lvl1pPr>
-              <a:defRPr sz="3199"/>
+              <a:defRPr sz="3840"/>
             </a:lvl1pPr>
           </a:lstStyle>
           <a:p>
@@ -2408,39 +2408,39 @@
         </p:nvSpPr>
         <p:spPr>
           <a:xfrm>
-            <a:off x="5181838" y="1053254"/>
-            <a:ext cx="6170593" cy="5198533"/>
+            <a:off x="4781626" y="1184912"/>
+            <a:ext cx="5694015" cy="5848350"/>
           </a:xfrm>
         </p:spPr>
         <p:txBody>
           <a:bodyPr/>
           <a:lstStyle>
             <a:lvl1pPr>
-              <a:defRPr sz="3199"/>
+              <a:defRPr sz="3840"/>
             </a:lvl1pPr>
             <a:lvl2pPr>
-              <a:defRPr sz="2799"/>
+              <a:defRPr sz="3360"/>
             </a:lvl2pPr>
             <a:lvl3pPr>
-              <a:defRPr sz="2399"/>
+              <a:defRPr sz="2880"/>
             </a:lvl3pPr>
             <a:lvl4pPr>
-              <a:defRPr sz="1999"/>
+              <a:defRPr sz="2400"/>
             </a:lvl4pPr>
             <a:lvl5pPr>
-              <a:defRPr sz="1999"/>
+              <a:defRPr sz="2400"/>
             </a:lvl5pPr>
             <a:lvl6pPr>
-              <a:defRPr sz="1999"/>
+              <a:defRPr sz="2400"/>
             </a:lvl6pPr>
             <a:lvl7pPr>
-              <a:defRPr sz="1999"/>
+              <a:defRPr sz="2400"/>
             </a:lvl7pPr>
             <a:lvl8pPr>
-              <a:defRPr sz="1999"/>
+              <a:defRPr sz="2400"/>
             </a:lvl8pPr>
             <a:lvl9pPr>
-              <a:defRPr sz="1999"/>
+              <a:defRPr sz="2400"/>
             </a:lvl9pPr>
           </a:lstStyle>
           <a:p>
@@ -2493,8 +2493,8 @@
         </p:nvSpPr>
         <p:spPr>
           <a:xfrm>
-            <a:off x="839570" y="2194560"/>
-            <a:ext cx="3931213" cy="4065694"/>
+            <a:off x="774726" y="2468880"/>
+            <a:ext cx="3627592" cy="4573906"/>
           </a:xfrm>
         </p:spPr>
         <p:txBody>
@@ -2502,39 +2502,39 @@
           <a:lstStyle>
             <a:lvl1pPr marL="0" indent="0">
               <a:buNone/>
-              <a:defRPr sz="1600"/>
+              <a:defRPr sz="1920"/>
             </a:lvl1pPr>
-            <a:lvl2pPr marL="457063" indent="0">
+            <a:lvl2pPr marL="548640" indent="0">
               <a:buNone/>
-              <a:defRPr sz="1400"/>
+              <a:defRPr sz="1680"/>
             </a:lvl2pPr>
-            <a:lvl3pPr marL="914126" indent="0">
+            <a:lvl3pPr marL="1097280" indent="0">
+              <a:buNone/>
+              <a:defRPr sz="1440"/>
+            </a:lvl3pPr>
+            <a:lvl4pPr marL="1645920" indent="0">
               <a:buNone/>
               <a:defRPr sz="1200"/>
-            </a:lvl3pPr>
-            <a:lvl4pPr marL="1371189" indent="0">
+            </a:lvl4pPr>
+            <a:lvl5pPr marL="2194560" indent="0">
               <a:buNone/>
-              <a:defRPr sz="1000"/>
-            </a:lvl4pPr>
-            <a:lvl5pPr marL="1828251" indent="0">
+              <a:defRPr sz="1200"/>
+            </a:lvl5pPr>
+            <a:lvl6pPr marL="2743200" indent="0">
               <a:buNone/>
-              <a:defRPr sz="1000"/>
-            </a:lvl5pPr>
-            <a:lvl6pPr marL="2285314" indent="0">
+              <a:defRPr sz="1200"/>
+            </a:lvl6pPr>
+            <a:lvl7pPr marL="3291840" indent="0">
               <a:buNone/>
-              <a:defRPr sz="1000"/>
-            </a:lvl6pPr>
-            <a:lvl7pPr marL="2742377" indent="0">
+              <a:defRPr sz="1200"/>
+            </a:lvl7pPr>
+            <a:lvl8pPr marL="3840480" indent="0">
               <a:buNone/>
-              <a:defRPr sz="1000"/>
-            </a:lvl7pPr>
-            <a:lvl8pPr marL="3199440" indent="0">
+              <a:defRPr sz="1200"/>
+            </a:lvl8pPr>
+            <a:lvl9pPr marL="4389120" indent="0">
               <a:buNone/>
-              <a:defRPr sz="1000"/>
-            </a:lvl8pPr>
-            <a:lvl9pPr marL="3656503" indent="0">
-              <a:buNone/>
-              <a:defRPr sz="1000"/>
+              <a:defRPr sz="1200"/>
             </a:lvl9pPr>
           </a:lstStyle>
           <a:p>
@@ -2563,7 +2563,7 @@
           <a:p>
             <a:fld id="{56B58232-E16B-0B4B-8F18-92B120FCDEDA}" type="datetimeFigureOut">
               <a:rPr lang="en-US" smtClean="0"/>
-              <a:t>8/20/25</a:t>
+              <a:t>11/17/25</a:t>
             </a:fld>
             <a:endParaRPr lang="en-US"/>
           </a:p>
@@ -2614,7 +2614,7 @@
     </p:spTree>
     <p:extLst>
       <p:ext uri="{BB962C8B-B14F-4D97-AF65-F5344CB8AC3E}">
-        <p14:creationId xmlns:p14="http://schemas.microsoft.com/office/powerpoint/2010/main" val="3675607659"/>
+        <p14:creationId xmlns:p14="http://schemas.microsoft.com/office/powerpoint/2010/main" val="735328120"/>
       </p:ext>
     </p:extLst>
   </p:cSld>
@@ -2653,15 +2653,15 @@
         </p:nvSpPr>
         <p:spPr>
           <a:xfrm>
-            <a:off x="839570" y="487680"/>
-            <a:ext cx="3931213" cy="1706880"/>
+            <a:off x="774726" y="548640"/>
+            <a:ext cx="3627592" cy="1920240"/>
           </a:xfrm>
         </p:spPr>
         <p:txBody>
           <a:bodyPr anchor="b"/>
           <a:lstStyle>
             <a:lvl1pPr>
-              <a:defRPr sz="3199"/>
+              <a:defRPr sz="3840"/>
             </a:lvl1pPr>
           </a:lstStyle>
           <a:p>
@@ -2685,8 +2685,8 @@
         </p:nvSpPr>
         <p:spPr>
           <a:xfrm>
-            <a:off x="5181838" y="1053254"/>
-            <a:ext cx="6170593" cy="5198533"/>
+            <a:off x="4781626" y="1184912"/>
+            <a:ext cx="5694015" cy="5848350"/>
           </a:xfrm>
         </p:spPr>
         <p:txBody>
@@ -2694,39 +2694,39 @@
           <a:lstStyle>
             <a:lvl1pPr marL="0" indent="0">
               <a:buNone/>
-              <a:defRPr sz="3199"/>
+              <a:defRPr sz="3840"/>
             </a:lvl1pPr>
-            <a:lvl2pPr marL="457063" indent="0">
+            <a:lvl2pPr marL="548640" indent="0">
               <a:buNone/>
-              <a:defRPr sz="2799"/>
+              <a:defRPr sz="3360"/>
             </a:lvl2pPr>
-            <a:lvl3pPr marL="914126" indent="0">
+            <a:lvl3pPr marL="1097280" indent="0">
               <a:buNone/>
-              <a:defRPr sz="2399"/>
+              <a:defRPr sz="2880"/>
             </a:lvl3pPr>
-            <a:lvl4pPr marL="1371189" indent="0">
+            <a:lvl4pPr marL="1645920" indent="0">
               <a:buNone/>
-              <a:defRPr sz="1999"/>
+              <a:defRPr sz="2400"/>
             </a:lvl4pPr>
-            <a:lvl5pPr marL="1828251" indent="0">
+            <a:lvl5pPr marL="2194560" indent="0">
               <a:buNone/>
-              <a:defRPr sz="1999"/>
+              <a:defRPr sz="2400"/>
             </a:lvl5pPr>
-            <a:lvl6pPr marL="2285314" indent="0">
+            <a:lvl6pPr marL="2743200" indent="0">
               <a:buNone/>
-              <a:defRPr sz="1999"/>
+              <a:defRPr sz="2400"/>
             </a:lvl6pPr>
-            <a:lvl7pPr marL="2742377" indent="0">
+            <a:lvl7pPr marL="3291840" indent="0">
               <a:buNone/>
-              <a:defRPr sz="1999"/>
+              <a:defRPr sz="2400"/>
             </a:lvl7pPr>
-            <a:lvl8pPr marL="3199440" indent="0">
+            <a:lvl8pPr marL="3840480" indent="0">
               <a:buNone/>
-              <a:defRPr sz="1999"/>
+              <a:defRPr sz="2400"/>
             </a:lvl8pPr>
-            <a:lvl9pPr marL="3656503" indent="0">
+            <a:lvl9pPr marL="4389120" indent="0">
               <a:buNone/>
-              <a:defRPr sz="1999"/>
+              <a:defRPr sz="2400"/>
             </a:lvl9pPr>
           </a:lstStyle>
           <a:p>
@@ -2750,8 +2750,8 @@
         </p:nvSpPr>
         <p:spPr>
           <a:xfrm>
-            <a:off x="839570" y="2194560"/>
-            <a:ext cx="3931213" cy="4065694"/>
+            <a:off x="774726" y="2468880"/>
+            <a:ext cx="3627592" cy="4573906"/>
           </a:xfrm>
         </p:spPr>
         <p:txBody>
@@ -2759,39 +2759,39 @@
           <a:lstStyle>
             <a:lvl1pPr marL="0" indent="0">
               <a:buNone/>
-              <a:defRPr sz="1600"/>
+              <a:defRPr sz="1920"/>
             </a:lvl1pPr>
-            <a:lvl2pPr marL="457063" indent="0">
+            <a:lvl2pPr marL="548640" indent="0">
               <a:buNone/>
-              <a:defRPr sz="1400"/>
+              <a:defRPr sz="1680"/>
             </a:lvl2pPr>
-            <a:lvl3pPr marL="914126" indent="0">
+            <a:lvl3pPr marL="1097280" indent="0">
+              <a:buNone/>
+              <a:defRPr sz="1440"/>
+            </a:lvl3pPr>
+            <a:lvl4pPr marL="1645920" indent="0">
               <a:buNone/>
               <a:defRPr sz="1200"/>
-            </a:lvl3pPr>
-            <a:lvl4pPr marL="1371189" indent="0">
+            </a:lvl4pPr>
+            <a:lvl5pPr marL="2194560" indent="0">
               <a:buNone/>
-              <a:defRPr sz="1000"/>
-            </a:lvl4pPr>
-            <a:lvl5pPr marL="1828251" indent="0">
+              <a:defRPr sz="1200"/>
+            </a:lvl5pPr>
+            <a:lvl6pPr marL="2743200" indent="0">
               <a:buNone/>
-              <a:defRPr sz="1000"/>
-            </a:lvl5pPr>
-            <a:lvl6pPr marL="2285314" indent="0">
+              <a:defRPr sz="1200"/>
+            </a:lvl6pPr>
+            <a:lvl7pPr marL="3291840" indent="0">
               <a:buNone/>
-              <a:defRPr sz="1000"/>
-            </a:lvl6pPr>
-            <a:lvl7pPr marL="2742377" indent="0">
+              <a:defRPr sz="1200"/>
+            </a:lvl7pPr>
+            <a:lvl8pPr marL="3840480" indent="0">
               <a:buNone/>
-              <a:defRPr sz="1000"/>
-            </a:lvl7pPr>
-            <a:lvl8pPr marL="3199440" indent="0">
+              <a:defRPr sz="1200"/>
+            </a:lvl8pPr>
+            <a:lvl9pPr marL="4389120" indent="0">
               <a:buNone/>
-              <a:defRPr sz="1000"/>
-            </a:lvl8pPr>
-            <a:lvl9pPr marL="3656503" indent="0">
-              <a:buNone/>
-              <a:defRPr sz="1000"/>
+              <a:defRPr sz="1200"/>
             </a:lvl9pPr>
           </a:lstStyle>
           <a:p>
@@ -2820,7 +2820,7 @@
           <a:p>
             <a:fld id="{56B58232-E16B-0B4B-8F18-92B120FCDEDA}" type="datetimeFigureOut">
               <a:rPr lang="en-US" smtClean="0"/>
-              <a:t>8/20/25</a:t>
+              <a:t>11/17/25</a:t>
             </a:fld>
             <a:endParaRPr lang="en-US"/>
           </a:p>
@@ -2871,7 +2871,7 @@
     </p:spTree>
     <p:extLst>
       <p:ext uri="{BB962C8B-B14F-4D97-AF65-F5344CB8AC3E}">
-        <p14:creationId xmlns:p14="http://schemas.microsoft.com/office/powerpoint/2010/main" val="2315874883"/>
+        <p14:creationId xmlns:p14="http://schemas.microsoft.com/office/powerpoint/2010/main" val="258539781"/>
       </p:ext>
     </p:extLst>
   </p:cSld>
@@ -2915,8 +2915,8 @@
         </p:nvSpPr>
         <p:spPr>
           <a:xfrm>
-            <a:off x="837982" y="389467"/>
-            <a:ext cx="10512862" cy="1413934"/>
+            <a:off x="773262" y="438152"/>
+            <a:ext cx="9700915" cy="1590676"/>
           </a:xfrm>
           <a:prstGeom prst="rect">
             <a:avLst/>
@@ -2948,8 +2948,8 @@
         </p:nvSpPr>
         <p:spPr>
           <a:xfrm>
-            <a:off x="837982" y="1947333"/>
-            <a:ext cx="10512862" cy="4641427"/>
+            <a:off x="773262" y="2190750"/>
+            <a:ext cx="9700915" cy="5221606"/>
           </a:xfrm>
           <a:prstGeom prst="rect">
             <a:avLst/>
@@ -3010,8 +3010,8 @@
         </p:nvSpPr>
         <p:spPr>
           <a:xfrm>
-            <a:off x="837982" y="6780107"/>
-            <a:ext cx="2742486" cy="389467"/>
+            <a:off x="773261" y="7627622"/>
+            <a:ext cx="2530674" cy="438150"/>
           </a:xfrm>
           <a:prstGeom prst="rect">
             <a:avLst/>
@@ -3021,7 +3021,7 @@
           <a:bodyPr vert="horz" lIns="91440" tIns="45720" rIns="91440" bIns="45720" rtlCol="0" anchor="ctr"/>
           <a:lstStyle>
             <a:lvl1pPr algn="l">
-              <a:defRPr sz="1200">
+              <a:defRPr sz="1440">
                 <a:solidFill>
                   <a:schemeClr val="tx1">
                     <a:tint val="82000"/>
@@ -3033,7 +3033,7 @@
           <a:p>
             <a:fld id="{56B58232-E16B-0B4B-8F18-92B120FCDEDA}" type="datetimeFigureOut">
               <a:rPr lang="en-US" smtClean="0"/>
-              <a:t>8/20/25</a:t>
+              <a:t>11/17/25</a:t>
             </a:fld>
             <a:endParaRPr lang="en-US"/>
           </a:p>
@@ -3051,8 +3051,8 @@
         </p:nvSpPr>
         <p:spPr>
           <a:xfrm>
-            <a:off x="4037549" y="6780107"/>
-            <a:ext cx="4113728" cy="389467"/>
+            <a:off x="3725714" y="7627622"/>
+            <a:ext cx="3796010" cy="438150"/>
           </a:xfrm>
           <a:prstGeom prst="rect">
             <a:avLst/>
@@ -3062,7 +3062,7 @@
           <a:bodyPr vert="horz" lIns="91440" tIns="45720" rIns="91440" bIns="45720" rtlCol="0" anchor="ctr"/>
           <a:lstStyle>
             <a:lvl1pPr algn="ctr">
-              <a:defRPr sz="1200">
+              <a:defRPr sz="1440">
                 <a:solidFill>
                   <a:schemeClr val="tx1">
                     <a:tint val="82000"/>
@@ -3088,8 +3088,8 @@
         </p:nvSpPr>
         <p:spPr>
           <a:xfrm>
-            <a:off x="8608357" y="6780107"/>
-            <a:ext cx="2742486" cy="389467"/>
+            <a:off x="7943503" y="7627622"/>
+            <a:ext cx="2530674" cy="438150"/>
           </a:xfrm>
           <a:prstGeom prst="rect">
             <a:avLst/>
@@ -3099,7 +3099,7 @@
           <a:bodyPr vert="horz" lIns="91440" tIns="45720" rIns="91440" bIns="45720" rtlCol="0" anchor="ctr"/>
           <a:lstStyle>
             <a:lvl1pPr algn="r">
-              <a:defRPr sz="1200">
+              <a:defRPr sz="1440">
                 <a:solidFill>
                   <a:schemeClr val="tx1">
                     <a:tint val="82000"/>
@@ -3120,27 +3120,27 @@
     </p:spTree>
     <p:extLst>
       <p:ext uri="{BB962C8B-B14F-4D97-AF65-F5344CB8AC3E}">
-        <p14:creationId xmlns:p14="http://schemas.microsoft.com/office/powerpoint/2010/main" val="3524863932"/>
+        <p14:creationId xmlns:p14="http://schemas.microsoft.com/office/powerpoint/2010/main" val="396474272"/>
       </p:ext>
     </p:extLst>
   </p:cSld>
   <p:clrMap bg1="lt1" tx1="dk1" bg2="lt2" tx2="dk2" accent1="accent1" accent2="accent2" accent3="accent3" accent4="accent4" accent5="accent5" accent6="accent6" hlink="hlink" folHlink="folHlink"/>
   <p:sldLayoutIdLst>
-    <p:sldLayoutId id="2147483673" r:id="rId1"/>
-    <p:sldLayoutId id="2147483674" r:id="rId2"/>
-    <p:sldLayoutId id="2147483675" r:id="rId3"/>
-    <p:sldLayoutId id="2147483676" r:id="rId4"/>
-    <p:sldLayoutId id="2147483677" r:id="rId5"/>
-    <p:sldLayoutId id="2147483678" r:id="rId6"/>
-    <p:sldLayoutId id="2147483679" r:id="rId7"/>
-    <p:sldLayoutId id="2147483680" r:id="rId8"/>
-    <p:sldLayoutId id="2147483681" r:id="rId9"/>
-    <p:sldLayoutId id="2147483682" r:id="rId10"/>
-    <p:sldLayoutId id="2147483683" r:id="rId11"/>
+    <p:sldLayoutId id="2147483709" r:id="rId1"/>
+    <p:sldLayoutId id="2147483710" r:id="rId2"/>
+    <p:sldLayoutId id="2147483711" r:id="rId3"/>
+    <p:sldLayoutId id="2147483712" r:id="rId4"/>
+    <p:sldLayoutId id="2147483713" r:id="rId5"/>
+    <p:sldLayoutId id="2147483714" r:id="rId6"/>
+    <p:sldLayoutId id="2147483715" r:id="rId7"/>
+    <p:sldLayoutId id="2147483716" r:id="rId8"/>
+    <p:sldLayoutId id="2147483717" r:id="rId9"/>
+    <p:sldLayoutId id="2147483718" r:id="rId10"/>
+    <p:sldLayoutId id="2147483719" r:id="rId11"/>
   </p:sldLayoutIdLst>
   <p:txStyles>
     <p:titleStyle>
-      <a:lvl1pPr algn="l" defTabSz="914126" rtl="0" eaLnBrk="1" latinLnBrk="0" hangingPunct="1">
+      <a:lvl1pPr algn="l" defTabSz="1097280" rtl="0" eaLnBrk="1" latinLnBrk="0" hangingPunct="1">
         <a:lnSpc>
           <a:spcPct val="90000"/>
         </a:lnSpc>
@@ -3148,7 +3148,7 @@
           <a:spcPct val="0"/>
         </a:spcBef>
         <a:buNone/>
-        <a:defRPr sz="4399" kern="1200">
+        <a:defRPr sz="5280" kern="1200">
           <a:solidFill>
             <a:schemeClr val="tx1"/>
           </a:solidFill>
@@ -3159,16 +3159,16 @@
       </a:lvl1pPr>
     </p:titleStyle>
     <p:bodyStyle>
-      <a:lvl1pPr marL="228531" indent="-228531" algn="l" defTabSz="914126" rtl="0" eaLnBrk="1" latinLnBrk="0" hangingPunct="1">
+      <a:lvl1pPr marL="274320" indent="-274320" algn="l" defTabSz="1097280" rtl="0" eaLnBrk="1" latinLnBrk="0" hangingPunct="1">
         <a:lnSpc>
           <a:spcPct val="90000"/>
         </a:lnSpc>
         <a:spcBef>
-          <a:spcPts val="1000"/>
+          <a:spcPts val="1200"/>
         </a:spcBef>
         <a:buFont typeface="Arial" panose="020B0604020202020204" pitchFamily="34" charset="0"/>
         <a:buChar char="•"/>
-        <a:defRPr sz="2799" kern="1200">
+        <a:defRPr sz="3360" kern="1200">
           <a:solidFill>
             <a:schemeClr val="tx1"/>
           </a:solidFill>
@@ -3177,16 +3177,16 @@
           <a:cs typeface="+mn-cs"/>
         </a:defRPr>
       </a:lvl1pPr>
-      <a:lvl2pPr marL="685594" indent="-228531" algn="l" defTabSz="914126" rtl="0" eaLnBrk="1" latinLnBrk="0" hangingPunct="1">
+      <a:lvl2pPr marL="822960" indent="-274320" algn="l" defTabSz="1097280" rtl="0" eaLnBrk="1" latinLnBrk="0" hangingPunct="1">
         <a:lnSpc>
           <a:spcPct val="90000"/>
         </a:lnSpc>
         <a:spcBef>
-          <a:spcPts val="500"/>
+          <a:spcPts val="600"/>
         </a:spcBef>
         <a:buFont typeface="Arial" panose="020B0604020202020204" pitchFamily="34" charset="0"/>
         <a:buChar char="•"/>
-        <a:defRPr sz="2399" kern="1200">
+        <a:defRPr sz="2880" kern="1200">
           <a:solidFill>
             <a:schemeClr val="tx1"/>
           </a:solidFill>
@@ -3195,16 +3195,16 @@
           <a:cs typeface="+mn-cs"/>
         </a:defRPr>
       </a:lvl2pPr>
-      <a:lvl3pPr marL="1142657" indent="-228531" algn="l" defTabSz="914126" rtl="0" eaLnBrk="1" latinLnBrk="0" hangingPunct="1">
+      <a:lvl3pPr marL="1371600" indent="-274320" algn="l" defTabSz="1097280" rtl="0" eaLnBrk="1" latinLnBrk="0" hangingPunct="1">
         <a:lnSpc>
           <a:spcPct val="90000"/>
         </a:lnSpc>
         <a:spcBef>
-          <a:spcPts val="500"/>
+          <a:spcPts val="600"/>
         </a:spcBef>
         <a:buFont typeface="Arial" panose="020B0604020202020204" pitchFamily="34" charset="0"/>
         <a:buChar char="•"/>
-        <a:defRPr sz="1999" kern="1200">
+        <a:defRPr sz="2400" kern="1200">
           <a:solidFill>
             <a:schemeClr val="tx1"/>
           </a:solidFill>
@@ -3213,16 +3213,16 @@
           <a:cs typeface="+mn-cs"/>
         </a:defRPr>
       </a:lvl3pPr>
-      <a:lvl4pPr marL="1599720" indent="-228531" algn="l" defTabSz="914126" rtl="0" eaLnBrk="1" latinLnBrk="0" hangingPunct="1">
+      <a:lvl4pPr marL="1920240" indent="-274320" algn="l" defTabSz="1097280" rtl="0" eaLnBrk="1" latinLnBrk="0" hangingPunct="1">
         <a:lnSpc>
           <a:spcPct val="90000"/>
         </a:lnSpc>
         <a:spcBef>
-          <a:spcPts val="500"/>
+          <a:spcPts val="600"/>
         </a:spcBef>
         <a:buFont typeface="Arial" panose="020B0604020202020204" pitchFamily="34" charset="0"/>
         <a:buChar char="•"/>
-        <a:defRPr sz="1799" kern="1200">
+        <a:defRPr sz="2160" kern="1200">
           <a:solidFill>
             <a:schemeClr val="tx1"/>
           </a:solidFill>
@@ -3231,16 +3231,16 @@
           <a:cs typeface="+mn-cs"/>
         </a:defRPr>
       </a:lvl4pPr>
-      <a:lvl5pPr marL="2056783" indent="-228531" algn="l" defTabSz="914126" rtl="0" eaLnBrk="1" latinLnBrk="0" hangingPunct="1">
+      <a:lvl5pPr marL="2468880" indent="-274320" algn="l" defTabSz="1097280" rtl="0" eaLnBrk="1" latinLnBrk="0" hangingPunct="1">
         <a:lnSpc>
           <a:spcPct val="90000"/>
         </a:lnSpc>
         <a:spcBef>
-          <a:spcPts val="500"/>
+          <a:spcPts val="600"/>
         </a:spcBef>
         <a:buFont typeface="Arial" panose="020B0604020202020204" pitchFamily="34" charset="0"/>
         <a:buChar char="•"/>
-        <a:defRPr sz="1799" kern="1200">
+        <a:defRPr sz="2160" kern="1200">
           <a:solidFill>
             <a:schemeClr val="tx1"/>
           </a:solidFill>
@@ -3249,16 +3249,16 @@
           <a:cs typeface="+mn-cs"/>
         </a:defRPr>
       </a:lvl5pPr>
-      <a:lvl6pPr marL="2513846" indent="-228531" algn="l" defTabSz="914126" rtl="0" eaLnBrk="1" latinLnBrk="0" hangingPunct="1">
+      <a:lvl6pPr marL="3017520" indent="-274320" algn="l" defTabSz="1097280" rtl="0" eaLnBrk="1" latinLnBrk="0" hangingPunct="1">
         <a:lnSpc>
           <a:spcPct val="90000"/>
         </a:lnSpc>
         <a:spcBef>
-          <a:spcPts val="500"/>
+          <a:spcPts val="600"/>
         </a:spcBef>
         <a:buFont typeface="Arial" panose="020B0604020202020204" pitchFamily="34" charset="0"/>
         <a:buChar char="•"/>
-        <a:defRPr sz="1799" kern="1200">
+        <a:defRPr sz="2160" kern="1200">
           <a:solidFill>
             <a:schemeClr val="tx1"/>
           </a:solidFill>
@@ -3267,16 +3267,16 @@
           <a:cs typeface="+mn-cs"/>
         </a:defRPr>
       </a:lvl6pPr>
-      <a:lvl7pPr marL="2970908" indent="-228531" algn="l" defTabSz="914126" rtl="0" eaLnBrk="1" latinLnBrk="0" hangingPunct="1">
+      <a:lvl7pPr marL="3566160" indent="-274320" algn="l" defTabSz="1097280" rtl="0" eaLnBrk="1" latinLnBrk="0" hangingPunct="1">
         <a:lnSpc>
           <a:spcPct val="90000"/>
         </a:lnSpc>
         <a:spcBef>
-          <a:spcPts val="500"/>
+          <a:spcPts val="600"/>
         </a:spcBef>
         <a:buFont typeface="Arial" panose="020B0604020202020204" pitchFamily="34" charset="0"/>
         <a:buChar char="•"/>
-        <a:defRPr sz="1799" kern="1200">
+        <a:defRPr sz="2160" kern="1200">
           <a:solidFill>
             <a:schemeClr val="tx1"/>
           </a:solidFill>
@@ -3285,16 +3285,16 @@
           <a:cs typeface="+mn-cs"/>
         </a:defRPr>
       </a:lvl7pPr>
-      <a:lvl8pPr marL="3427971" indent="-228531" algn="l" defTabSz="914126" rtl="0" eaLnBrk="1" latinLnBrk="0" hangingPunct="1">
+      <a:lvl8pPr marL="4114800" indent="-274320" algn="l" defTabSz="1097280" rtl="0" eaLnBrk="1" latinLnBrk="0" hangingPunct="1">
         <a:lnSpc>
           <a:spcPct val="90000"/>
         </a:lnSpc>
         <a:spcBef>
-          <a:spcPts val="500"/>
+          <a:spcPts val="600"/>
         </a:spcBef>
         <a:buFont typeface="Arial" panose="020B0604020202020204" pitchFamily="34" charset="0"/>
         <a:buChar char="•"/>
-        <a:defRPr sz="1799" kern="1200">
+        <a:defRPr sz="2160" kern="1200">
           <a:solidFill>
             <a:schemeClr val="tx1"/>
           </a:solidFill>
@@ -3303,16 +3303,16 @@
           <a:cs typeface="+mn-cs"/>
         </a:defRPr>
       </a:lvl8pPr>
-      <a:lvl9pPr marL="3885034" indent="-228531" algn="l" defTabSz="914126" rtl="0" eaLnBrk="1" latinLnBrk="0" hangingPunct="1">
+      <a:lvl9pPr marL="4663440" indent="-274320" algn="l" defTabSz="1097280" rtl="0" eaLnBrk="1" latinLnBrk="0" hangingPunct="1">
         <a:lnSpc>
           <a:spcPct val="90000"/>
         </a:lnSpc>
         <a:spcBef>
-          <a:spcPts val="500"/>
+          <a:spcPts val="600"/>
         </a:spcBef>
         <a:buFont typeface="Arial" panose="020B0604020202020204" pitchFamily="34" charset="0"/>
         <a:buChar char="•"/>
-        <a:defRPr sz="1799" kern="1200">
+        <a:defRPr sz="2160" kern="1200">
           <a:solidFill>
             <a:schemeClr val="tx1"/>
           </a:solidFill>
@@ -3326,8 +3326,8 @@
       <a:defPPr>
         <a:defRPr lang="en-US"/>
       </a:defPPr>
-      <a:lvl1pPr marL="0" algn="l" defTabSz="914126" rtl="0" eaLnBrk="1" latinLnBrk="0" hangingPunct="1">
-        <a:defRPr sz="1799" kern="1200">
+      <a:lvl1pPr marL="0" algn="l" defTabSz="1097280" rtl="0" eaLnBrk="1" latinLnBrk="0" hangingPunct="1">
+        <a:defRPr sz="2160" kern="1200">
           <a:solidFill>
             <a:schemeClr val="tx1"/>
           </a:solidFill>
@@ -3336,8 +3336,8 @@
           <a:cs typeface="+mn-cs"/>
         </a:defRPr>
       </a:lvl1pPr>
-      <a:lvl2pPr marL="457063" algn="l" defTabSz="914126" rtl="0" eaLnBrk="1" latinLnBrk="0" hangingPunct="1">
-        <a:defRPr sz="1799" kern="1200">
+      <a:lvl2pPr marL="548640" algn="l" defTabSz="1097280" rtl="0" eaLnBrk="1" latinLnBrk="0" hangingPunct="1">
+        <a:defRPr sz="2160" kern="1200">
           <a:solidFill>
             <a:schemeClr val="tx1"/>
           </a:solidFill>
@@ -3346,8 +3346,8 @@
           <a:cs typeface="+mn-cs"/>
         </a:defRPr>
       </a:lvl2pPr>
-      <a:lvl3pPr marL="914126" algn="l" defTabSz="914126" rtl="0" eaLnBrk="1" latinLnBrk="0" hangingPunct="1">
-        <a:defRPr sz="1799" kern="1200">
+      <a:lvl3pPr marL="1097280" algn="l" defTabSz="1097280" rtl="0" eaLnBrk="1" latinLnBrk="0" hangingPunct="1">
+        <a:defRPr sz="2160" kern="1200">
           <a:solidFill>
             <a:schemeClr val="tx1"/>
           </a:solidFill>
@@ -3356,8 +3356,8 @@
           <a:cs typeface="+mn-cs"/>
         </a:defRPr>
       </a:lvl3pPr>
-      <a:lvl4pPr marL="1371189" algn="l" defTabSz="914126" rtl="0" eaLnBrk="1" latinLnBrk="0" hangingPunct="1">
-        <a:defRPr sz="1799" kern="1200">
+      <a:lvl4pPr marL="1645920" algn="l" defTabSz="1097280" rtl="0" eaLnBrk="1" latinLnBrk="0" hangingPunct="1">
+        <a:defRPr sz="2160" kern="1200">
           <a:solidFill>
             <a:schemeClr val="tx1"/>
           </a:solidFill>
@@ -3366,8 +3366,8 @@
           <a:cs typeface="+mn-cs"/>
         </a:defRPr>
       </a:lvl4pPr>
-      <a:lvl5pPr marL="1828251" algn="l" defTabSz="914126" rtl="0" eaLnBrk="1" latinLnBrk="0" hangingPunct="1">
-        <a:defRPr sz="1799" kern="1200">
+      <a:lvl5pPr marL="2194560" algn="l" defTabSz="1097280" rtl="0" eaLnBrk="1" latinLnBrk="0" hangingPunct="1">
+        <a:defRPr sz="2160" kern="1200">
           <a:solidFill>
             <a:schemeClr val="tx1"/>
           </a:solidFill>
@@ -3376,8 +3376,8 @@
           <a:cs typeface="+mn-cs"/>
         </a:defRPr>
       </a:lvl5pPr>
-      <a:lvl6pPr marL="2285314" algn="l" defTabSz="914126" rtl="0" eaLnBrk="1" latinLnBrk="0" hangingPunct="1">
-        <a:defRPr sz="1799" kern="1200">
+      <a:lvl6pPr marL="2743200" algn="l" defTabSz="1097280" rtl="0" eaLnBrk="1" latinLnBrk="0" hangingPunct="1">
+        <a:defRPr sz="2160" kern="1200">
           <a:solidFill>
             <a:schemeClr val="tx1"/>
           </a:solidFill>
@@ -3386,8 +3386,8 @@
           <a:cs typeface="+mn-cs"/>
         </a:defRPr>
       </a:lvl6pPr>
-      <a:lvl7pPr marL="2742377" algn="l" defTabSz="914126" rtl="0" eaLnBrk="1" latinLnBrk="0" hangingPunct="1">
-        <a:defRPr sz="1799" kern="1200">
+      <a:lvl7pPr marL="3291840" algn="l" defTabSz="1097280" rtl="0" eaLnBrk="1" latinLnBrk="0" hangingPunct="1">
+        <a:defRPr sz="2160" kern="1200">
           <a:solidFill>
             <a:schemeClr val="tx1"/>
           </a:solidFill>
@@ -3396,8 +3396,8 @@
           <a:cs typeface="+mn-cs"/>
         </a:defRPr>
       </a:lvl7pPr>
-      <a:lvl8pPr marL="3199440" algn="l" defTabSz="914126" rtl="0" eaLnBrk="1" latinLnBrk="0" hangingPunct="1">
-        <a:defRPr sz="1799" kern="1200">
+      <a:lvl8pPr marL="3840480" algn="l" defTabSz="1097280" rtl="0" eaLnBrk="1" latinLnBrk="0" hangingPunct="1">
+        <a:defRPr sz="2160" kern="1200">
           <a:solidFill>
             <a:schemeClr val="tx1"/>
           </a:solidFill>
@@ -3406,8 +3406,8 @@
           <a:cs typeface="+mn-cs"/>
         </a:defRPr>
       </a:lvl8pPr>
-      <a:lvl9pPr marL="3656503" algn="l" defTabSz="914126" rtl="0" eaLnBrk="1" latinLnBrk="0" hangingPunct="1">
-        <a:defRPr sz="1799" kern="1200">
+      <a:lvl9pPr marL="4389120" algn="l" defTabSz="1097280" rtl="0" eaLnBrk="1" latinLnBrk="0" hangingPunct="1">
+        <a:defRPr sz="2160" kern="1200">
           <a:solidFill>
             <a:schemeClr val="tx1"/>
           </a:solidFill>
@@ -3467,8 +3467,8 @@
         </p:blipFill>
         <p:spPr>
           <a:xfrm>
-            <a:off x="1170432" y="3866929"/>
-            <a:ext cx="4215490" cy="3291840"/>
+            <a:off x="352608" y="4923870"/>
+            <a:ext cx="4215384" cy="3291757"/>
           </a:xfrm>
           <a:prstGeom prst="rect">
             <a:avLst/>
@@ -3497,7 +3497,7 @@
         </p:blipFill>
         <p:spPr>
           <a:xfrm>
-            <a:off x="5724144" y="3867912"/>
+            <a:off x="5434414" y="4924850"/>
             <a:ext cx="5760720" cy="3291840"/>
           </a:xfrm>
           <a:prstGeom prst="rect">
@@ -3527,7 +3527,7 @@
         </p:blipFill>
         <p:spPr>
           <a:xfrm>
-            <a:off x="5727138" y="649224"/>
+            <a:off x="5424088" y="1014984"/>
             <a:ext cx="5760720" cy="3291840"/>
           </a:xfrm>
           <a:prstGeom prst="rect">
@@ -3558,8 +3558,8 @@
         </p:blipFill>
         <p:spPr>
           <a:xfrm>
-            <a:off x="1170432" y="649224"/>
-            <a:ext cx="4215490" cy="3291840"/>
+            <a:off x="352608" y="1014987"/>
+            <a:ext cx="4215384" cy="3291757"/>
           </a:xfrm>
           <a:prstGeom prst="rect">
             <a:avLst/>
@@ -3580,8 +3580,8 @@
         </p:nvSpPr>
         <p:spPr>
           <a:xfrm>
-            <a:off x="146920" y="686575"/>
-            <a:ext cx="1100983" cy="338554"/>
+            <a:off x="4752502" y="473859"/>
+            <a:ext cx="1437640" cy="369332"/>
           </a:xfrm>
           <a:prstGeom prst="rect">
             <a:avLst/>
@@ -3596,7 +3596,7 @@
           <a:p>
             <a:pPr algn="ctr"/>
             <a:r>
-              <a:rPr lang="en-US" sz="1600" dirty="0">
+              <a:rPr lang="en-US" b="1" u="sng" dirty="0">
                 <a:latin typeface="Helvetica" pitchFamily="2" charset="0"/>
               </a:rPr>
               <a:t>Lewisetta</a:t>
@@ -3618,8 +3618,8 @@
         </p:nvSpPr>
         <p:spPr>
           <a:xfrm>
-            <a:off x="-71645" y="3716909"/>
-            <a:ext cx="1538113" cy="338554"/>
+            <a:off x="4702265" y="4557606"/>
+            <a:ext cx="2008435" cy="369332"/>
           </a:xfrm>
           <a:prstGeom prst="rect">
             <a:avLst/>
@@ -3634,7 +3634,7 @@
           <a:p>
             <a:pPr algn="ctr"/>
             <a:r>
-              <a:rPr lang="en-US" sz="1600" dirty="0">
+              <a:rPr lang="en-US" b="1" u="sng" dirty="0">
                 <a:latin typeface="Helvetica" pitchFamily="2" charset="0"/>
               </a:rPr>
               <a:t>York River</a:t>
@@ -3656,8 +3656,8 @@
         </p:nvSpPr>
         <p:spPr>
           <a:xfrm>
-            <a:off x="1115875" y="101952"/>
-            <a:ext cx="4784085" cy="584775"/>
+            <a:off x="330811" y="64009"/>
+            <a:ext cx="4784085" cy="646331"/>
           </a:xfrm>
           <a:prstGeom prst="rect">
             <a:avLst/>
@@ -3672,7 +3672,7 @@
           <a:p>
             <a:pPr algn="ctr"/>
             <a:r>
-              <a:rPr lang="en-US" sz="1600" b="1" dirty="0">
+              <a:rPr lang="en-US" b="1" dirty="0">
                 <a:latin typeface="Helvetica" pitchFamily="2" charset="0"/>
               </a:rPr>
               <a:t>Slopes of Condition vs. Genetic Variables and Env. Quantiles</a:t>
@@ -3694,8 +3694,8 @@
         </p:nvSpPr>
         <p:spPr>
           <a:xfrm>
-            <a:off x="6094413" y="101511"/>
-            <a:ext cx="5599243" cy="584775"/>
+            <a:off x="5805333" y="61151"/>
+            <a:ext cx="5018883" cy="646331"/>
           </a:xfrm>
           <a:prstGeom prst="rect">
             <a:avLst/>
@@ -3710,7 +3710,7 @@
           <a:p>
             <a:pPr algn="ctr"/>
             <a:r>
-              <a:rPr lang="en-US" sz="1600" b="1" dirty="0">
+              <a:rPr lang="en-US" b="1" dirty="0">
                 <a:latin typeface="Helvetica" pitchFamily="2" charset="0"/>
               </a:rPr>
               <a:t>Slopes of Condition vs. Genetic Variables and Env. Distance</a:t>
@@ -3741,7 +3741,7 @@
         </p:blipFill>
         <p:spPr>
           <a:xfrm>
-            <a:off x="1504034" y="3972016"/>
+            <a:off x="686210" y="5028954"/>
             <a:ext cx="0" cy="0"/>
           </a:xfrm>
           <a:prstGeom prst="rect">
@@ -3763,7 +3763,7 @@
         </p:nvSpPr>
         <p:spPr>
           <a:xfrm>
-            <a:off x="2894407" y="4869281"/>
+            <a:off x="2076583" y="5926222"/>
             <a:ext cx="624032" cy="160375"/>
           </a:xfrm>
           <a:prstGeom prst="rect">
@@ -3824,7 +3824,7 @@
         </p:nvSpPr>
         <p:spPr>
           <a:xfrm>
-            <a:off x="2894407" y="4698300"/>
+            <a:off x="2076583" y="5755241"/>
             <a:ext cx="740870" cy="160375"/>
           </a:xfrm>
           <a:prstGeom prst="rect">
@@ -3885,7 +3885,7 @@
         </p:nvSpPr>
         <p:spPr>
           <a:xfrm>
-            <a:off x="2894407" y="5095337"/>
+            <a:off x="2076583" y="6152278"/>
             <a:ext cx="646270" cy="160375"/>
           </a:xfrm>
           <a:prstGeom prst="rect">
@@ -3946,7 +3946,7 @@
         </p:nvSpPr>
         <p:spPr>
           <a:xfrm>
-            <a:off x="2888195" y="1876588"/>
+            <a:off x="2070371" y="2242348"/>
             <a:ext cx="829216" cy="164592"/>
           </a:xfrm>
           <a:prstGeom prst="rect">
@@ -4007,7 +4007,7 @@
         </p:nvSpPr>
         <p:spPr>
           <a:xfrm>
-            <a:off x="2885340" y="2911684"/>
+            <a:off x="2067516" y="3277444"/>
             <a:ext cx="829216" cy="164592"/>
           </a:xfrm>
           <a:prstGeom prst="rect">
@@ -4068,7 +4068,7 @@
         </p:nvSpPr>
         <p:spPr>
           <a:xfrm>
-            <a:off x="2888195" y="2682169"/>
+            <a:off x="2070371" y="3047929"/>
             <a:ext cx="678162" cy="164592"/>
           </a:xfrm>
           <a:prstGeom prst="rect">
@@ -4129,8 +4129,8 @@
         </p:nvSpPr>
         <p:spPr>
           <a:xfrm>
-            <a:off x="1069283" y="478243"/>
-            <a:ext cx="543557" cy="338554"/>
+            <a:off x="251462" y="941832"/>
+            <a:ext cx="543557" cy="369332"/>
           </a:xfrm>
           <a:prstGeom prst="rect">
             <a:avLst/>
@@ -4145,7 +4145,7 @@
           <a:p>
             <a:pPr algn="ctr"/>
             <a:r>
-              <a:rPr lang="en-US" sz="1600" dirty="0">
+              <a:rPr lang="en-US" dirty="0">
                 <a:latin typeface="Helvetica" pitchFamily="2" charset="0"/>
               </a:rPr>
               <a:t>A</a:t>
@@ -4167,8 +4167,8 @@
         </p:nvSpPr>
         <p:spPr>
           <a:xfrm>
-            <a:off x="1103318" y="3594956"/>
-            <a:ext cx="543557" cy="338554"/>
+            <a:off x="5356713" y="940613"/>
+            <a:ext cx="543557" cy="369332"/>
           </a:xfrm>
           <a:prstGeom prst="rect">
             <a:avLst/>
@@ -4183,7 +4183,7 @@
           <a:p>
             <a:pPr algn="ctr"/>
             <a:r>
-              <a:rPr lang="en-US" sz="1600" dirty="0">
+              <a:rPr lang="en-US" dirty="0">
                 <a:latin typeface="Helvetica" pitchFamily="2" charset="0"/>
               </a:rPr>
               <a:t>B</a:t>
@@ -4205,8 +4205,8 @@
         </p:nvSpPr>
         <p:spPr>
           <a:xfrm>
-            <a:off x="5750859" y="365252"/>
-            <a:ext cx="543557" cy="338554"/>
+            <a:off x="260540" y="4992624"/>
+            <a:ext cx="543557" cy="369332"/>
           </a:xfrm>
           <a:prstGeom prst="rect">
             <a:avLst/>
@@ -4221,7 +4221,7 @@
           <a:p>
             <a:pPr algn="ctr"/>
             <a:r>
-              <a:rPr lang="en-US" sz="1600" dirty="0">
+              <a:rPr lang="en-US" dirty="0">
                 <a:latin typeface="Helvetica" pitchFamily="2" charset="0"/>
               </a:rPr>
               <a:t>C</a:t>
@@ -4243,8 +4243,8 @@
         </p:nvSpPr>
         <p:spPr>
           <a:xfrm>
-            <a:off x="5750859" y="3594956"/>
-            <a:ext cx="543557" cy="338554"/>
+            <a:off x="5358384" y="4993054"/>
+            <a:ext cx="543557" cy="369332"/>
           </a:xfrm>
           <a:prstGeom prst="rect">
             <a:avLst/>
@@ -4259,7 +4259,7 @@
           <a:p>
             <a:pPr algn="ctr"/>
             <a:r>
-              <a:rPr lang="en-US" sz="1600" dirty="0">
+              <a:rPr lang="en-US" dirty="0">
                 <a:latin typeface="Helvetica" pitchFamily="2" charset="0"/>
               </a:rPr>
               <a:t>D</a:t>
@@ -4281,7 +4281,7 @@
         </p:nvSpPr>
         <p:spPr>
           <a:xfrm>
-            <a:off x="2883288" y="790083"/>
+            <a:off x="2065464" y="1155843"/>
             <a:ext cx="829216" cy="164592"/>
           </a:xfrm>
           <a:prstGeom prst="rect">
@@ -4342,7 +4342,7 @@
         </p:nvSpPr>
         <p:spPr>
           <a:xfrm>
-            <a:off x="2886143" y="944185"/>
+            <a:off x="2068319" y="1309945"/>
             <a:ext cx="678162" cy="164592"/>
           </a:xfrm>
           <a:prstGeom prst="rect">
@@ -4403,7 +4403,7 @@
         </p:nvSpPr>
         <p:spPr>
           <a:xfrm>
-            <a:off x="2883288" y="1102067"/>
+            <a:off x="2065464" y="1467827"/>
             <a:ext cx="829216" cy="164592"/>
           </a:xfrm>
           <a:prstGeom prst="rect">
@@ -4464,7 +4464,7 @@
         </p:nvSpPr>
         <p:spPr>
           <a:xfrm>
-            <a:off x="2888195" y="1484411"/>
+            <a:off x="2070371" y="1850171"/>
             <a:ext cx="678162" cy="164592"/>
           </a:xfrm>
           <a:prstGeom prst="rect">
@@ -4525,7 +4525,7 @@
         </p:nvSpPr>
         <p:spPr>
           <a:xfrm>
-            <a:off x="2888195" y="1634473"/>
+            <a:off x="2070371" y="2000233"/>
             <a:ext cx="829216" cy="164592"/>
           </a:xfrm>
           <a:prstGeom prst="rect">
@@ -4586,7 +4586,7 @@
         </p:nvSpPr>
         <p:spPr>
           <a:xfrm>
-            <a:off x="2888195" y="2147658"/>
+            <a:off x="2070371" y="2513418"/>
             <a:ext cx="829216" cy="164592"/>
           </a:xfrm>
           <a:prstGeom prst="rect">
@@ -4647,7 +4647,7 @@
         </p:nvSpPr>
         <p:spPr>
           <a:xfrm>
-            <a:off x="2888195" y="2412062"/>
+            <a:off x="2070371" y="2777822"/>
             <a:ext cx="829216" cy="164592"/>
           </a:xfrm>
           <a:prstGeom prst="rect">
@@ -4708,7 +4708,7 @@
         </p:nvSpPr>
         <p:spPr>
           <a:xfrm>
-            <a:off x="2888195" y="3082665"/>
+            <a:off x="2070371" y="3448425"/>
             <a:ext cx="678162" cy="164592"/>
           </a:xfrm>
           <a:prstGeom prst="rect">
@@ -4769,7 +4769,7 @@
         </p:nvSpPr>
         <p:spPr>
           <a:xfrm>
-            <a:off x="7223059" y="887962"/>
+            <a:off x="6920009" y="1253722"/>
             <a:ext cx="829216" cy="164592"/>
           </a:xfrm>
           <a:prstGeom prst="rect">
@@ -4830,7 +4830,7 @@
         </p:nvSpPr>
         <p:spPr>
           <a:xfrm>
-            <a:off x="7223059" y="1144005"/>
+            <a:off x="6920009" y="1509765"/>
             <a:ext cx="678162" cy="164592"/>
           </a:xfrm>
           <a:prstGeom prst="rect">
@@ -4891,7 +4891,7 @@
         </p:nvSpPr>
         <p:spPr>
           <a:xfrm>
-            <a:off x="7223059" y="2876288"/>
+            <a:off x="6920009" y="3242048"/>
             <a:ext cx="678162" cy="164592"/>
           </a:xfrm>
           <a:prstGeom prst="rect">
@@ -4952,7 +4952,7 @@
         </p:nvSpPr>
         <p:spPr>
           <a:xfrm>
-            <a:off x="7223059" y="2671053"/>
+            <a:off x="6920009" y="3036813"/>
             <a:ext cx="829216" cy="164592"/>
           </a:xfrm>
           <a:prstGeom prst="rect">
@@ -5013,7 +5013,7 @@
         </p:nvSpPr>
         <p:spPr>
           <a:xfrm>
-            <a:off x="2883288" y="3998441"/>
+            <a:off x="2065464" y="5055382"/>
             <a:ext cx="646270" cy="160375"/>
           </a:xfrm>
           <a:prstGeom prst="rect">
@@ -5074,7 +5074,7 @@
         </p:nvSpPr>
         <p:spPr>
           <a:xfrm>
-            <a:off x="2883288" y="5361676"/>
+            <a:off x="2065464" y="6418617"/>
             <a:ext cx="624032" cy="160375"/>
           </a:xfrm>
           <a:prstGeom prst="rect">
@@ -5135,7 +5135,7 @@
         </p:nvSpPr>
         <p:spPr>
           <a:xfrm>
-            <a:off x="2883288" y="5623168"/>
+            <a:off x="2065464" y="6680109"/>
             <a:ext cx="646270" cy="160375"/>
           </a:xfrm>
           <a:prstGeom prst="rect">
@@ -5196,7 +5196,7 @@
         </p:nvSpPr>
         <p:spPr>
           <a:xfrm>
-            <a:off x="2884336" y="5787939"/>
+            <a:off x="2066512" y="6844880"/>
             <a:ext cx="740870" cy="160375"/>
           </a:xfrm>
           <a:prstGeom prst="rect">
@@ -5257,7 +5257,7 @@
         </p:nvSpPr>
         <p:spPr>
           <a:xfrm>
-            <a:off x="2883288" y="5937959"/>
+            <a:off x="2065464" y="6994900"/>
             <a:ext cx="624032" cy="160375"/>
           </a:xfrm>
           <a:prstGeom prst="rect">
@@ -5318,7 +5318,7 @@
         </p:nvSpPr>
         <p:spPr>
           <a:xfrm>
-            <a:off x="2883288" y="6294069"/>
+            <a:off x="2065464" y="7351010"/>
             <a:ext cx="740870" cy="160375"/>
           </a:xfrm>
           <a:prstGeom prst="rect">
@@ -5379,7 +5379,7 @@
         </p:nvSpPr>
         <p:spPr>
           <a:xfrm>
-            <a:off x="7223059" y="4123955"/>
+            <a:off x="6933329" y="5180896"/>
             <a:ext cx="646270" cy="160375"/>
           </a:xfrm>
           <a:prstGeom prst="rect">
@@ -5440,7 +5440,7 @@
         </p:nvSpPr>
         <p:spPr>
           <a:xfrm>
-            <a:off x="7223059" y="4973331"/>
+            <a:off x="6933329" y="6030272"/>
             <a:ext cx="646270" cy="160375"/>
           </a:xfrm>
           <a:prstGeom prst="rect">
@@ -5501,7 +5501,7 @@
         </p:nvSpPr>
         <p:spPr>
           <a:xfrm>
-            <a:off x="7223059" y="5234585"/>
+            <a:off x="6933329" y="6291526"/>
             <a:ext cx="740870" cy="160375"/>
           </a:xfrm>
           <a:prstGeom prst="rect">
@@ -5562,7 +5562,7 @@
         </p:nvSpPr>
         <p:spPr>
           <a:xfrm>
-            <a:off x="7223059" y="5880550"/>
+            <a:off x="6933329" y="6937491"/>
             <a:ext cx="646270" cy="160375"/>
           </a:xfrm>
           <a:prstGeom prst="rect">
@@ -5623,8 +5623,8 @@
         </p:nvSpPr>
         <p:spPr>
           <a:xfrm>
-            <a:off x="7222250" y="6345215"/>
-            <a:ext cx="624032" cy="160375"/>
+            <a:off x="6932520" y="7402155"/>
+            <a:ext cx="740869" cy="181300"/>
           </a:xfrm>
           <a:prstGeom prst="rect">
             <a:avLst/>
